--- a/Unit Testing Anit-Patterns.pptx
+++ b/Unit Testing Anit-Patterns.pptx
@@ -269,7 +269,7 @@
           <a:p>
             <a:fld id="{B304424B-6627-481F-B88A-69358BD4EC9F}" type="datetimeFigureOut">
               <a:rPr lang="en-US" smtClean="0"/>
-              <a:t>4/25/2018</a:t>
+              <a:t>4/26/2018</a:t>
             </a:fld>
             <a:endParaRPr lang="en-US"/>
           </a:p>
@@ -467,7 +467,7 @@
           <a:p>
             <a:fld id="{B304424B-6627-481F-B88A-69358BD4EC9F}" type="datetimeFigureOut">
               <a:rPr lang="en-US" smtClean="0"/>
-              <a:t>4/25/2018</a:t>
+              <a:t>4/26/2018</a:t>
             </a:fld>
             <a:endParaRPr lang="en-US"/>
           </a:p>
@@ -675,7 +675,7 @@
           <a:p>
             <a:fld id="{B304424B-6627-481F-B88A-69358BD4EC9F}" type="datetimeFigureOut">
               <a:rPr lang="en-US" smtClean="0"/>
-              <a:t>4/25/2018</a:t>
+              <a:t>4/26/2018</a:t>
             </a:fld>
             <a:endParaRPr lang="en-US"/>
           </a:p>
@@ -873,7 +873,7 @@
           <a:p>
             <a:fld id="{B304424B-6627-481F-B88A-69358BD4EC9F}" type="datetimeFigureOut">
               <a:rPr lang="en-US" smtClean="0"/>
-              <a:t>4/25/2018</a:t>
+              <a:t>4/26/2018</a:t>
             </a:fld>
             <a:endParaRPr lang="en-US"/>
           </a:p>
@@ -1148,7 +1148,7 @@
           <a:p>
             <a:fld id="{B304424B-6627-481F-B88A-69358BD4EC9F}" type="datetimeFigureOut">
               <a:rPr lang="en-US" smtClean="0"/>
-              <a:t>4/25/2018</a:t>
+              <a:t>4/26/2018</a:t>
             </a:fld>
             <a:endParaRPr lang="en-US"/>
           </a:p>
@@ -1413,7 +1413,7 @@
           <a:p>
             <a:fld id="{B304424B-6627-481F-B88A-69358BD4EC9F}" type="datetimeFigureOut">
               <a:rPr lang="en-US" smtClean="0"/>
-              <a:t>4/25/2018</a:t>
+              <a:t>4/26/2018</a:t>
             </a:fld>
             <a:endParaRPr lang="en-US"/>
           </a:p>
@@ -1825,7 +1825,7 @@
           <a:p>
             <a:fld id="{B304424B-6627-481F-B88A-69358BD4EC9F}" type="datetimeFigureOut">
               <a:rPr lang="en-US" smtClean="0"/>
-              <a:t>4/25/2018</a:t>
+              <a:t>4/26/2018</a:t>
             </a:fld>
             <a:endParaRPr lang="en-US"/>
           </a:p>
@@ -1966,7 +1966,7 @@
           <a:p>
             <a:fld id="{B304424B-6627-481F-B88A-69358BD4EC9F}" type="datetimeFigureOut">
               <a:rPr lang="en-US" smtClean="0"/>
-              <a:t>4/25/2018</a:t>
+              <a:t>4/26/2018</a:t>
             </a:fld>
             <a:endParaRPr lang="en-US"/>
           </a:p>
@@ -2079,7 +2079,7 @@
           <a:p>
             <a:fld id="{B304424B-6627-481F-B88A-69358BD4EC9F}" type="datetimeFigureOut">
               <a:rPr lang="en-US" smtClean="0"/>
-              <a:t>4/25/2018</a:t>
+              <a:t>4/26/2018</a:t>
             </a:fld>
             <a:endParaRPr lang="en-US"/>
           </a:p>
@@ -2390,7 +2390,7 @@
           <a:p>
             <a:fld id="{B304424B-6627-481F-B88A-69358BD4EC9F}" type="datetimeFigureOut">
               <a:rPr lang="en-US" smtClean="0"/>
-              <a:t>4/25/2018</a:t>
+              <a:t>4/26/2018</a:t>
             </a:fld>
             <a:endParaRPr lang="en-US"/>
           </a:p>
@@ -2678,7 +2678,7 @@
           <a:p>
             <a:fld id="{B304424B-6627-481F-B88A-69358BD4EC9F}" type="datetimeFigureOut">
               <a:rPr lang="en-US" smtClean="0"/>
-              <a:t>4/25/2018</a:t>
+              <a:t>4/26/2018</a:t>
             </a:fld>
             <a:endParaRPr lang="en-US"/>
           </a:p>
@@ -2919,7 +2919,7 @@
           <a:p>
             <a:fld id="{B304424B-6627-481F-B88A-69358BD4EC9F}" type="datetimeFigureOut">
               <a:rPr lang="en-US" smtClean="0"/>
-              <a:t>4/25/2018</a:t>
+              <a:t>4/26/2018</a:t>
             </a:fld>
             <a:endParaRPr lang="en-US"/>
           </a:p>
@@ -3986,25 +3986,31 @@
           <a:p>
             <a:r>
               <a:rPr lang="en-US" dirty="0"/>
-              <a:t>Ugly Mirror</a:t>
+              <a:t>Happy Path</a:t>
             </a:r>
           </a:p>
           <a:p>
             <a:r>
               <a:rPr lang="en-US" dirty="0"/>
-              <a:t>Stranger</a:t>
+              <a:t>Dead Tree</a:t>
             </a:r>
           </a:p>
           <a:p>
             <a:r>
               <a:rPr lang="en-US" dirty="0"/>
-              <a:t>Giant</a:t>
+              <a:t>Secret Catcher</a:t>
             </a:r>
           </a:p>
           <a:p>
             <a:r>
               <a:rPr lang="en-US" dirty="0"/>
-              <a:t>Inspector</a:t>
+              <a:t>Silent Catcher</a:t>
+            </a:r>
+          </a:p>
+          <a:p>
+            <a:r>
+              <a:rPr lang="en-US" dirty="0"/>
+              <a:t>Mockery</a:t>
             </a:r>
           </a:p>
         </p:txBody>
